--- a/journalWallFriction/pictures/pdf/TransparentSheet.pptx
+++ b/journalWallFriction/pictures/pdf/TransparentSheet.pptx
@@ -3099,11 +3099,11 @@
           <a:lstStyle/>
           <a:p>
             <a:r>
-              <a:rPr lang="en-US" sz="1200" dirty="0"/>
+              <a:rPr lang="en-US" sz="1200" i="1" dirty="0"/>
               <a:t>s</a:t>
             </a:r>
             <a:r>
-              <a:rPr lang="en-US" sz="1200" baseline="-25000" dirty="0"/>
+              <a:rPr lang="en-US" sz="1200" i="1" baseline="-25000" dirty="0"/>
               <a:t>1</a:t>
             </a:r>
             <a:r>
@@ -3142,14 +3142,14 @@
           <a:lstStyle/>
           <a:p>
             <a:r>
-              <a:rPr lang="en-US" sz="1200" dirty="0"/>
+              <a:rPr lang="en-US" sz="1200" i="1" dirty="0"/>
               <a:t>s</a:t>
             </a:r>
             <a:r>
-              <a:rPr lang="en-US" sz="1200" baseline="-25000" dirty="0"/>
+              <a:rPr lang="en-US" sz="1200" i="1" baseline="-25000" dirty="0"/>
               <a:t>2</a:t>
             </a:r>
-            <a:endParaRPr lang="en-US" sz="1200" dirty="0"/>
+            <a:endParaRPr lang="en-US" sz="1200" i="1" dirty="0"/>
           </a:p>
         </p:txBody>
       </p:sp>
@@ -3168,7 +3168,7 @@
         <p:spPr>
           <a:xfrm>
             <a:off x="251022" y="590569"/>
-            <a:ext cx="683420" cy="276999"/>
+            <a:ext cx="429219" cy="276999"/>
           </a:xfrm>
           <a:prstGeom prst="rect">
             <a:avLst/>
@@ -3182,14 +3182,14 @@
           <a:lstStyle/>
           <a:p>
             <a:r>
-              <a:rPr lang="en-US" sz="1200" dirty="0"/>
+              <a:rPr lang="en-US" sz="1200" i="1" dirty="0"/>
               <a:t>g</a:t>
             </a:r>
             <a:r>
-              <a:rPr lang="en-US" sz="1200" baseline="-25000" dirty="0"/>
+              <a:rPr lang="en-US" sz="1200" i="1" baseline="-25000" dirty="0"/>
               <a:t>1</a:t>
             </a:r>
-            <a:endParaRPr lang="en-US" sz="1200" dirty="0"/>
+            <a:endParaRPr lang="en-US" sz="1200" i="1" dirty="0"/>
           </a:p>
         </p:txBody>
       </p:sp>
@@ -3222,14 +3222,14 @@
           <a:lstStyle/>
           <a:p>
             <a:r>
-              <a:rPr lang="en-US" sz="1200" dirty="0"/>
+              <a:rPr lang="en-US" sz="1200" i="1" dirty="0"/>
               <a:t>g</a:t>
             </a:r>
             <a:r>
-              <a:rPr lang="en-US" sz="1200" baseline="-25000" dirty="0"/>
+              <a:rPr lang="en-US" sz="1200" i="1" baseline="-25000" dirty="0"/>
               <a:t>2</a:t>
             </a:r>
-            <a:endParaRPr lang="en-US" sz="1200" dirty="0"/>
+            <a:endParaRPr lang="en-US" sz="1200" i="1" dirty="0"/>
           </a:p>
         </p:txBody>
       </p:sp>
